--- a/Data Visualization/COVID-19_Comorbidities_Instagram.pptx
+++ b/Data Visualization/COVID-19_Comorbidities_Instagram.pptx
@@ -3505,8 +3505,8 @@
         </p:nvSpPr>
         <p:spPr>
           <a:xfrm>
-            <a:off x="1289242" y="5637062"/>
-            <a:ext cx="5815584" cy="646331"/>
+            <a:off x="1289242" y="5501473"/>
+            <a:ext cx="5815584" cy="781920"/>
           </a:xfrm>
           <a:prstGeom prst="rect">
             <a:avLst/>
@@ -3641,8 +3641,8 @@
         </p:nvSpPr>
         <p:spPr>
           <a:xfrm>
-            <a:off x="1289241" y="5637062"/>
-            <a:ext cx="5832918" cy="646331"/>
+            <a:off x="1234487" y="5543042"/>
+            <a:ext cx="6043714" cy="707886"/>
           </a:xfrm>
           <a:prstGeom prst="rect">
             <a:avLst/>
@@ -3659,17 +3659,27 @@
           <a:lstStyle/>
           <a:p>
             <a:r>
-              <a:rPr lang="en-US" sz="900" dirty="0">
+              <a:rPr lang="en-US" sz="1000" dirty="0">
                 <a:solidFill>
                   <a:srgbClr val="EDEDEB"/>
                 </a:solidFill>
               </a:rPr>
-              <a:t>1. These data should be taken with caution as many comorbidities could be attributed to COVID-19 symptoms. I solicited clarification from the CDC, and I will update if I hear back. Percentages not mutually exclusive.</a:t>
-            </a:r>
-          </a:p>
-          <a:p>
-            <a:r>
-              <a:rPr lang="en-US" sz="900" dirty="0">
+              <a:t>1. These data should be taken with caution as many comorbidities could be attributed to COVID-19 symptoms.</a:t>
+            </a:r>
+          </a:p>
+          <a:p>
+            <a:r>
+              <a:rPr lang="en-US" sz="1000" dirty="0">
+                <a:solidFill>
+                  <a:srgbClr val="EDEDEB"/>
+                </a:solidFill>
+              </a:rPr>
+              <a:t> I solicited clarification from the CDC, and I will update if I hear back. Percentages not mutually exclusive.</a:t>
+            </a:r>
+          </a:p>
+          <a:p>
+            <a:r>
+              <a:rPr lang="en-US" sz="1000" dirty="0">
                 <a:solidFill>
                   <a:srgbClr val="EDEDEB"/>
                 </a:solidFill>
@@ -3677,7 +3687,7 @@
               <a:t>2. Source: </a:t>
             </a:r>
             <a:r>
-              <a:rPr lang="en-US" sz="900" dirty="0">
+              <a:rPr lang="en-US" sz="1000" dirty="0">
                 <a:solidFill>
                   <a:srgbClr val="EDEDEB"/>
                 </a:solidFill>
@@ -3691,7 +3701,7 @@
               </a:rPr>
               <a:t>https://data.cdc.gov/NCHS/Conditions-contributing-to-deaths-involving-corona/hk9y-quqm/data</a:t>
             </a:r>
-            <a:endParaRPr lang="en-US" sz="900" dirty="0">
+            <a:endParaRPr lang="en-US" sz="1000" dirty="0">
               <a:solidFill>
                 <a:srgbClr val="EDEDEB"/>
               </a:solidFill>
@@ -3699,7 +3709,7 @@
           </a:p>
           <a:p>
             <a:r>
-              <a:rPr lang="en-US" sz="900" dirty="0">
+              <a:rPr lang="en-US" sz="1000" dirty="0">
                 <a:solidFill>
                   <a:srgbClr val="EDEDEB"/>
                 </a:solidFill>
@@ -3707,7 +3717,7 @@
               <a:t>3. Repository: </a:t>
             </a:r>
             <a:r>
-              <a:rPr lang="en-US" sz="900" dirty="0">
+              <a:rPr lang="en-US" sz="1000" dirty="0">
                 <a:solidFill>
                   <a:srgbClr val="EDEDEB"/>
                 </a:solidFill>
@@ -3719,16 +3729,13 @@
                   </a:extLst>
                 </a:hlinkClick>
               </a:rPr>
-              <a:t>https://github.com/logsdond4/Presidential-Poll</a:t>
-            </a:r>
-            <a:r>
-              <a:rPr lang="en-US" sz="900" dirty="0">
-                <a:solidFill>
-                  <a:srgbClr val="EDEDEB"/>
-                </a:solidFill>
-              </a:rPr>
-              <a:t> </a:t>
-            </a:r>
+              <a:t>https://github.com/logsdond4/Covid-Comorbidities</a:t>
+            </a:r>
+            <a:endParaRPr lang="en-US" sz="1000" dirty="0">
+              <a:solidFill>
+                <a:srgbClr val="EDEDEB"/>
+              </a:solidFill>
+            </a:endParaRPr>
           </a:p>
         </p:txBody>
       </p:sp>
@@ -3746,7 +3753,7 @@
         </p:nvSpPr>
         <p:spPr>
           <a:xfrm>
-            <a:off x="2607991" y="2174697"/>
+            <a:off x="2607991" y="2121430"/>
             <a:ext cx="3090074" cy="707886"/>
           </a:xfrm>
           <a:prstGeom prst="rect">
@@ -3816,7 +3823,7 @@
         </p:nvSpPr>
         <p:spPr>
           <a:xfrm>
-            <a:off x="2977850" y="3305460"/>
+            <a:off x="2977850" y="3252193"/>
             <a:ext cx="2922147" cy="400110"/>
           </a:xfrm>
           <a:prstGeom prst="rect">
@@ -3885,7 +3892,7 @@
         </p:blipFill>
         <p:spPr>
           <a:xfrm>
-            <a:off x="1508068" y="1933745"/>
+            <a:off x="1508068" y="1880478"/>
             <a:ext cx="1277466" cy="1277466"/>
           </a:xfrm>
           <a:prstGeom prst="rect">
@@ -3924,7 +3931,7 @@
         </p:blipFill>
         <p:spPr>
           <a:xfrm>
-            <a:off x="5561823" y="2617570"/>
+            <a:off x="5561823" y="2564303"/>
             <a:ext cx="1449234" cy="1449234"/>
           </a:xfrm>
           <a:prstGeom prst="rect">
@@ -3946,7 +3953,7 @@
         </p:nvSpPr>
         <p:spPr>
           <a:xfrm>
-            <a:off x="2121630" y="4100797"/>
+            <a:off x="2121630" y="4047530"/>
             <a:ext cx="1604029" cy="400110"/>
           </a:xfrm>
           <a:prstGeom prst="rect">
@@ -4015,7 +4022,7 @@
         </p:blipFill>
         <p:spPr>
           <a:xfrm>
-            <a:off x="1445918" y="3438927"/>
+            <a:off x="1445918" y="3385660"/>
             <a:ext cx="1277466" cy="1277466"/>
           </a:xfrm>
           <a:prstGeom prst="rect">
@@ -4037,7 +4044,7 @@
         </p:nvSpPr>
         <p:spPr>
           <a:xfrm>
-            <a:off x="3262693" y="4853927"/>
+            <a:off x="3262693" y="4765148"/>
             <a:ext cx="2369393" cy="400110"/>
           </a:xfrm>
           <a:prstGeom prst="rect">
@@ -4106,7 +4113,7 @@
         </p:blipFill>
         <p:spPr>
           <a:xfrm>
-            <a:off x="5321095" y="4107438"/>
+            <a:off x="5321095" y="4018659"/>
             <a:ext cx="1277466" cy="1277466"/>
           </a:xfrm>
           <a:prstGeom prst="rect">

--- a/Data Visualization/COVID-19_Comorbidities_Instagram.pptx
+++ b/Data Visualization/COVID-19_Comorbidities_Instagram.pptx
@@ -3453,7 +3453,7 @@
         </p:nvSpPr>
         <p:spPr>
           <a:xfrm>
-            <a:off x="1297708" y="465869"/>
+            <a:off x="1291358" y="465869"/>
             <a:ext cx="5815584" cy="1378587"/>
           </a:xfrm>
           <a:prstGeom prst="rect">
@@ -3505,7 +3505,7 @@
         </p:nvSpPr>
         <p:spPr>
           <a:xfrm>
-            <a:off x="1289242" y="5501473"/>
+            <a:off x="1289242" y="5495123"/>
             <a:ext cx="5815584" cy="781920"/>
           </a:xfrm>
           <a:prstGeom prst="rect">
@@ -3557,7 +3557,7 @@
         </p:nvSpPr>
         <p:spPr>
           <a:xfrm>
-            <a:off x="1272307" y="474850"/>
+            <a:off x="1263429" y="449450"/>
             <a:ext cx="5852160" cy="1369606"/>
           </a:xfrm>
           <a:prstGeom prst="rect">
@@ -3642,7 +3642,7 @@
         <p:spPr>
           <a:xfrm>
             <a:off x="1234487" y="5543042"/>
-            <a:ext cx="6043714" cy="707886"/>
+            <a:ext cx="5887672" cy="707886"/>
           </a:xfrm>
           <a:prstGeom prst="rect">
             <a:avLst/>
@@ -3823,7 +3823,7 @@
         </p:nvSpPr>
         <p:spPr>
           <a:xfrm>
-            <a:off x="2977850" y="3252193"/>
+            <a:off x="2977850" y="3261718"/>
             <a:ext cx="2922147" cy="400110"/>
           </a:xfrm>
           <a:prstGeom prst="rect">
@@ -3931,7 +3931,7 @@
         </p:blipFill>
         <p:spPr>
           <a:xfrm>
-            <a:off x="5561823" y="2564303"/>
+            <a:off x="5561823" y="2573828"/>
             <a:ext cx="1449234" cy="1449234"/>
           </a:xfrm>
           <a:prstGeom prst="rect">
@@ -4044,7 +4044,7 @@
         </p:nvSpPr>
         <p:spPr>
           <a:xfrm>
-            <a:off x="3262693" y="4765148"/>
+            <a:off x="3262693" y="4784198"/>
             <a:ext cx="2369393" cy="400110"/>
           </a:xfrm>
           <a:prstGeom prst="rect">
@@ -4113,7 +4113,7 @@
         </p:blipFill>
         <p:spPr>
           <a:xfrm>
-            <a:off x="5321095" y="4018659"/>
+            <a:off x="5321095" y="4037709"/>
             <a:ext cx="1277466" cy="1277466"/>
           </a:xfrm>
           <a:prstGeom prst="rect">
